--- a/Presentation Midterm.pptx
+++ b/Presentation Midterm.pptx
@@ -8264,14 +8264,14 @@
       </p:sp>
       <p:sp>
         <p:nvSpPr>
-          <p:cNvPr id="4" name="Rectangle 3"/>
+          <p:cNvPr id="5" name="Rectangle 4"/>
           <p:cNvSpPr/>
           <p:nvPr/>
         </p:nvSpPr>
         <p:spPr>
           <a:xfrm>
-            <a:off x="1357745" y="1551709"/>
-            <a:ext cx="9522691" cy="4156364"/>
+            <a:off x="677008" y="1395123"/>
+            <a:ext cx="11134174" cy="1957677"/>
           </a:xfrm>
           <a:prstGeom prst="rect">
             <a:avLst/>
@@ -8301,50 +8301,6 @@
           <a:bodyPr rtlCol="0" anchor="ctr"/>
           <a:lstStyle/>
           <a:p>
-            <a:pPr algn="ctr"/>
-            <a:endParaRPr lang="en-US"/>
-          </a:p>
-        </p:txBody>
-      </p:sp>
-      <p:sp>
-        <p:nvSpPr>
-          <p:cNvPr id="5" name="Rectangle 4"/>
-          <p:cNvSpPr/>
-          <p:nvPr/>
-        </p:nvSpPr>
-        <p:spPr>
-          <a:xfrm>
-            <a:off x="677008" y="1690687"/>
-            <a:ext cx="11134174" cy="1186585"/>
-          </a:xfrm>
-          <a:prstGeom prst="rect">
-            <a:avLst/>
-          </a:prstGeom>
-          <a:noFill/>
-          <a:ln>
-            <a:noFill/>
-          </a:ln>
-        </p:spPr>
-        <p:style>
-          <a:lnRef idx="2">
-            <a:schemeClr val="accent1">
-              <a:shade val="50000"/>
-            </a:schemeClr>
-          </a:lnRef>
-          <a:fillRef idx="1">
-            <a:schemeClr val="accent1"/>
-          </a:fillRef>
-          <a:effectRef idx="0">
-            <a:schemeClr val="accent1"/>
-          </a:effectRef>
-          <a:fontRef idx="minor">
-            <a:schemeClr val="lt1"/>
-          </a:fontRef>
-        </p:style>
-        <p:txBody>
-          <a:bodyPr rtlCol="0" anchor="ctr"/>
-          <a:lstStyle/>
-          <a:p>
             <a:pPr marL="457200" indent="-457200">
               <a:buClr>
                 <a:schemeClr val="accent1"/>
@@ -8489,7 +8445,24 @@
                   <a:schemeClr val="tx2"/>
                 </a:solidFill>
               </a:rPr>
-              <a:t>Snippet of the method visitor that handled the replacement of operators to java code ‘!=‘ or JVM bytecode ‘==‘.</a:t>
+              <a:t>Snippet of the method visitor that handled the replacement of operators to java code ‘&gt;‘. </a:t>
+            </a:r>
+          </a:p>
+          <a:p>
+            <a:pPr marL="457200" indent="-457200">
+              <a:buClr>
+                <a:schemeClr val="accent1"/>
+              </a:buClr>
+              <a:buFont typeface="Wingdings" panose="05000000000000000000" pitchFamily="2" charset="2"/>
+              <a:buChar char="v"/>
+            </a:pPr>
+            <a:r>
+              <a:rPr lang="en-IN" dirty="0">
+                <a:solidFill>
+                  <a:schemeClr val="tx2"/>
+                </a:solidFill>
+              </a:rPr>
+              <a:t>Note the opcodes are the exact opposite of the operators.</a:t>
             </a:r>
             <a:endParaRPr lang="en-US" dirty="0">
               <a:solidFill>
@@ -8515,7 +8488,7 @@
         </p:blipFill>
         <p:spPr>
           <a:xfrm>
-            <a:off x="1810402" y="3418048"/>
+            <a:off x="1810402" y="3722848"/>
             <a:ext cx="8312577" cy="2546481"/>
           </a:xfrm>
           <a:prstGeom prst="rect">
@@ -8707,7 +8680,7 @@
                   <a:schemeClr val="tx2"/>
                 </a:solidFill>
               </a:rPr>
-              <a:t>Operators are flipped because JVM compares &lt;b with a&gt; not &lt;a with b&gt;.</a:t>
+              <a:t>First, the two parameters are loaded into the operand stack.</a:t>
             </a:r>
           </a:p>
           <a:p>
@@ -8724,7 +8697,23 @@
                   <a:schemeClr val="tx2"/>
                 </a:solidFill>
               </a:rPr>
-              <a:t>JVM first pushes a in the stack then b.</a:t>
+              <a:t>Then, </a:t>
+            </a:r>
+            <a:r>
+              <a:rPr lang="en-US" dirty="0" err="1">
+                <a:solidFill>
+                  <a:schemeClr val="tx2"/>
+                </a:solidFill>
+              </a:rPr>
+              <a:t>i_icmple</a:t>
+            </a:r>
+            <a:r>
+              <a:rPr lang="en-US" dirty="0">
+                <a:solidFill>
+                  <a:schemeClr val="tx2"/>
+                </a:solidFill>
+              </a:rPr>
+              <a:t> compares the top two values on the stack.</a:t>
             </a:r>
           </a:p>
           <a:p>
@@ -8741,7 +8730,24 @@
                   <a:schemeClr val="tx2"/>
                 </a:solidFill>
               </a:rPr>
-              <a:t>Then check if value b is less then or equal than value of a.</a:t>
+              <a:t>It branches to byte code 9 if comparison is true. This returns false.</a:t>
+            </a:r>
+          </a:p>
+          <a:p>
+            <a:pPr marL="285750" indent="-285750">
+              <a:buClr>
+                <a:schemeClr val="accent1"/>
+              </a:buClr>
+              <a:buFont typeface="Wingdings" panose="05000000000000000000" pitchFamily="2" charset="2"/>
+              <a:buChar char="v"/>
+            </a:pPr>
+            <a:r>
+              <a:rPr lang="en-US" dirty="0">
+                <a:solidFill>
+                  <a:schemeClr val="tx2"/>
+                </a:solidFill>
+              </a:rPr>
+              <a:t>It continues to byte code 5 if comparison is false. This returns true.</a:t>
             </a:r>
           </a:p>
         </p:txBody>
